--- a/content/grade8/cycle03/week2/G8_C3_W2_Evidence_Evolution_Slides_Final.pptx
+++ b/content/grade8/cycle03/week2/G8_C3_W2_Evidence_Evolution_Slides_Final.pptx
@@ -9930,8 +9930,8 @@
         </p:nvSpPr>
         <p:spPr>
           <a:xfrm>
-            <a:off x="457200" y="1371600"/>
-            <a:ext cx="8229600" cy="1371600"/>
+            <a:off x="457200" y="1188720"/>
+            <a:ext cx="8229600" cy="1005840"/>
           </a:xfrm>
           <a:prstGeom prst="rect">
             <a:avLst/>
@@ -9970,7 +9970,7 @@
         </p:nvSpPr>
         <p:spPr>
           <a:xfrm>
-            <a:off x="3657600" y="2926080"/>
+            <a:off x="3657600" y="2377440"/>
             <a:ext cx="1828800" cy="73152"/>
           </a:xfrm>
           <a:prstGeom prst="roundRect">
@@ -10013,7 +10013,7 @@
         </p:nvSpPr>
         <p:spPr>
           <a:xfrm>
-            <a:off x="914400" y="3200400"/>
+            <a:off x="914400" y="2560320"/>
             <a:ext cx="7315200" cy="548640"/>
           </a:xfrm>
           <a:prstGeom prst="rect">
@@ -10049,7 +10049,7 @@
         </p:nvSpPr>
         <p:spPr>
           <a:xfrm>
-            <a:off x="1828800" y="3931920"/>
+            <a:off x="1828800" y="3291840"/>
             <a:ext cx="5486400" cy="731520"/>
           </a:xfrm>
           <a:prstGeom prst="roundRect">
@@ -10094,7 +10094,7 @@
         </p:nvSpPr>
         <p:spPr>
           <a:xfrm>
-            <a:off x="2011680" y="4023360"/>
+            <a:off x="2011680" y="3383280"/>
             <a:ext cx="5120640" cy="548640"/>
           </a:xfrm>
           <a:prstGeom prst="rect">
@@ -10163,7 +10163,7 @@
           <a:lstStyle/>
           <a:p>
             <a:pPr algn="ctr">
-              <a:defRPr sz="2400" b="1">
+              <a:defRPr sz="2000" b="1">
                 <a:solidFill>
                   <a:srgbClr val="805AD5"/>
                 </a:solidFill>

--- a/content/grade8/cycle03/week2/G8_C3_W2_Evidence_Evolution_Slides_Final.pptx
+++ b/content/grade8/cycle03/week2/G8_C3_W2_Evidence_Evolution_Slides_Final.pptx
@@ -3483,8 +3483,8 @@
         </p:nvSpPr>
         <p:spPr>
           <a:xfrm>
-            <a:off x="365760" y="868680"/>
-            <a:ext cx="2011680" cy="274320"/>
+            <a:off x="365760" y="804672"/>
+            <a:ext cx="2011680" cy="411480"/>
           </a:xfrm>
           <a:prstGeom prst="rect">
             <a:avLst/>
@@ -3519,8 +3519,8 @@
         </p:nvSpPr>
         <p:spPr>
           <a:xfrm>
-            <a:off x="2468880" y="868680"/>
-            <a:ext cx="1828800" cy="274320"/>
+            <a:off x="2468880" y="804672"/>
+            <a:ext cx="1828800" cy="411480"/>
           </a:xfrm>
           <a:prstGeom prst="rect">
             <a:avLst/>
@@ -3555,8 +3555,8 @@
         </p:nvSpPr>
         <p:spPr>
           <a:xfrm>
-            <a:off x="4389120" y="868680"/>
-            <a:ext cx="1828800" cy="274320"/>
+            <a:off x="4389120" y="804672"/>
+            <a:ext cx="1828800" cy="411480"/>
           </a:xfrm>
           <a:prstGeom prst="rect">
             <a:avLst/>
@@ -3591,8 +3591,8 @@
         </p:nvSpPr>
         <p:spPr>
           <a:xfrm>
-            <a:off x="6309360" y="868680"/>
-            <a:ext cx="2468880" cy="274320"/>
+            <a:off x="6309360" y="804672"/>
+            <a:ext cx="2468880" cy="411480"/>
           </a:xfrm>
           <a:prstGeom prst="rect">
             <a:avLst/>
@@ -3670,8 +3670,8 @@
         </p:nvSpPr>
         <p:spPr>
           <a:xfrm>
-            <a:off x="365760" y="1371600"/>
-            <a:ext cx="2011680" cy="320040"/>
+            <a:off x="365760" y="1307592"/>
+            <a:ext cx="2011680" cy="438912"/>
           </a:xfrm>
           <a:prstGeom prst="rect">
             <a:avLst/>
@@ -3706,8 +3706,8 @@
         </p:nvSpPr>
         <p:spPr>
           <a:xfrm>
-            <a:off x="2468880" y="1371600"/>
-            <a:ext cx="1828800" cy="320040"/>
+            <a:off x="2468880" y="1307592"/>
+            <a:ext cx="1828800" cy="438912"/>
           </a:xfrm>
           <a:prstGeom prst="rect">
             <a:avLst/>
@@ -3742,8 +3742,8 @@
         </p:nvSpPr>
         <p:spPr>
           <a:xfrm>
-            <a:off x="4389120" y="1371600"/>
-            <a:ext cx="1828800" cy="320040"/>
+            <a:off x="4389120" y="1307592"/>
+            <a:ext cx="1828800" cy="438912"/>
           </a:xfrm>
           <a:prstGeom prst="rect">
             <a:avLst/>
@@ -3778,8 +3778,8 @@
         </p:nvSpPr>
         <p:spPr>
           <a:xfrm>
-            <a:off x="6309360" y="1371600"/>
-            <a:ext cx="2468880" cy="320040"/>
+            <a:off x="6309360" y="1307592"/>
+            <a:ext cx="2468880" cy="438912"/>
           </a:xfrm>
           <a:prstGeom prst="rect">
             <a:avLst/>
@@ -3857,8 +3857,8 @@
         </p:nvSpPr>
         <p:spPr>
           <a:xfrm>
-            <a:off x="365760" y="1920240"/>
-            <a:ext cx="2011680" cy="320040"/>
+            <a:off x="365760" y="1856231"/>
+            <a:ext cx="2011680" cy="438912"/>
           </a:xfrm>
           <a:prstGeom prst="rect">
             <a:avLst/>
@@ -3893,8 +3893,8 @@
         </p:nvSpPr>
         <p:spPr>
           <a:xfrm>
-            <a:off x="2468880" y="1920240"/>
-            <a:ext cx="1828800" cy="320040"/>
+            <a:off x="2468880" y="1856231"/>
+            <a:ext cx="1828800" cy="438912"/>
           </a:xfrm>
           <a:prstGeom prst="rect">
             <a:avLst/>
@@ -3929,8 +3929,8 @@
         </p:nvSpPr>
         <p:spPr>
           <a:xfrm>
-            <a:off x="4389120" y="1920240"/>
-            <a:ext cx="1828800" cy="320040"/>
+            <a:off x="4389120" y="1856231"/>
+            <a:ext cx="1828800" cy="438912"/>
           </a:xfrm>
           <a:prstGeom prst="rect">
             <a:avLst/>
@@ -3965,8 +3965,8 @@
         </p:nvSpPr>
         <p:spPr>
           <a:xfrm>
-            <a:off x="6309360" y="1920240"/>
-            <a:ext cx="2468880" cy="320040"/>
+            <a:off x="6309360" y="1856231"/>
+            <a:ext cx="2468880" cy="438912"/>
           </a:xfrm>
           <a:prstGeom prst="rect">
             <a:avLst/>
@@ -5271,8 +5271,8 @@
         </p:nvSpPr>
         <p:spPr>
           <a:xfrm>
-            <a:off x="365760" y="850392"/>
-            <a:ext cx="2011680" cy="274320"/>
+            <a:off x="365760" y="804672"/>
+            <a:ext cx="2011680" cy="365760"/>
           </a:xfrm>
           <a:prstGeom prst="rect">
             <a:avLst/>
@@ -5307,8 +5307,8 @@
         </p:nvSpPr>
         <p:spPr>
           <a:xfrm>
-            <a:off x="2468880" y="850392"/>
-            <a:ext cx="1097280" cy="274320"/>
+            <a:off x="2468880" y="804672"/>
+            <a:ext cx="1097280" cy="365760"/>
           </a:xfrm>
           <a:prstGeom prst="rect">
             <a:avLst/>
@@ -5343,8 +5343,8 @@
         </p:nvSpPr>
         <p:spPr>
           <a:xfrm>
-            <a:off x="3657600" y="850392"/>
-            <a:ext cx="5120640" cy="274320"/>
+            <a:off x="3657600" y="804672"/>
+            <a:ext cx="5120640" cy="365760"/>
           </a:xfrm>
           <a:prstGeom prst="rect">
             <a:avLst/>
@@ -5422,8 +5422,8 @@
         </p:nvSpPr>
         <p:spPr>
           <a:xfrm>
-            <a:off x="365760" y="1325880"/>
-            <a:ext cx="2011680" cy="320040"/>
+            <a:off x="365760" y="1280160"/>
+            <a:ext cx="2011680" cy="411480"/>
           </a:xfrm>
           <a:prstGeom prst="rect">
             <a:avLst/>
@@ -5458,8 +5458,8 @@
         </p:nvSpPr>
         <p:spPr>
           <a:xfrm>
-            <a:off x="2468880" y="1325880"/>
-            <a:ext cx="1097280" cy="320040"/>
+            <a:off x="2468880" y="1280160"/>
+            <a:ext cx="1097280" cy="411480"/>
           </a:xfrm>
           <a:prstGeom prst="rect">
             <a:avLst/>
@@ -5494,8 +5494,8 @@
         </p:nvSpPr>
         <p:spPr>
           <a:xfrm>
-            <a:off x="3657600" y="1325880"/>
-            <a:ext cx="5120640" cy="320040"/>
+            <a:off x="3657600" y="1280160"/>
+            <a:ext cx="5120640" cy="411480"/>
           </a:xfrm>
           <a:prstGeom prst="rect">
             <a:avLst/>
@@ -5573,8 +5573,8 @@
         </p:nvSpPr>
         <p:spPr>
           <a:xfrm>
-            <a:off x="365760" y="1828800"/>
-            <a:ext cx="2011680" cy="320040"/>
+            <a:off x="365760" y="1783080"/>
+            <a:ext cx="2011680" cy="411480"/>
           </a:xfrm>
           <a:prstGeom prst="rect">
             <a:avLst/>
@@ -5609,8 +5609,8 @@
         </p:nvSpPr>
         <p:spPr>
           <a:xfrm>
-            <a:off x="2468880" y="1828800"/>
-            <a:ext cx="1097280" cy="320040"/>
+            <a:off x="2468880" y="1783080"/>
+            <a:ext cx="1097280" cy="411480"/>
           </a:xfrm>
           <a:prstGeom prst="rect">
             <a:avLst/>
@@ -5645,8 +5645,8 @@
         </p:nvSpPr>
         <p:spPr>
           <a:xfrm>
-            <a:off x="3657600" y="1828800"/>
-            <a:ext cx="5120640" cy="320040"/>
+            <a:off x="3657600" y="1783080"/>
+            <a:ext cx="5120640" cy="411480"/>
           </a:xfrm>
           <a:prstGeom prst="rect">
             <a:avLst/>
@@ -5724,8 +5724,8 @@
         </p:nvSpPr>
         <p:spPr>
           <a:xfrm>
-            <a:off x="365760" y="2331720"/>
-            <a:ext cx="2011680" cy="320040"/>
+            <a:off x="365760" y="2286000"/>
+            <a:ext cx="2011680" cy="411480"/>
           </a:xfrm>
           <a:prstGeom prst="rect">
             <a:avLst/>
@@ -5760,8 +5760,8 @@
         </p:nvSpPr>
         <p:spPr>
           <a:xfrm>
-            <a:off x="2468880" y="2331720"/>
-            <a:ext cx="1097280" cy="320040"/>
+            <a:off x="2468880" y="2286000"/>
+            <a:ext cx="1097280" cy="411480"/>
           </a:xfrm>
           <a:prstGeom prst="rect">
             <a:avLst/>
@@ -5796,8 +5796,8 @@
         </p:nvSpPr>
         <p:spPr>
           <a:xfrm>
-            <a:off x="3657600" y="2331720"/>
-            <a:ext cx="5120640" cy="320040"/>
+            <a:off x="3657600" y="2286000"/>
+            <a:ext cx="5120640" cy="411480"/>
           </a:xfrm>
           <a:prstGeom prst="rect">
             <a:avLst/>
@@ -5875,8 +5875,8 @@
         </p:nvSpPr>
         <p:spPr>
           <a:xfrm>
-            <a:off x="365760" y="2834640"/>
-            <a:ext cx="2011680" cy="320040"/>
+            <a:off x="365760" y="2788920"/>
+            <a:ext cx="2011680" cy="411480"/>
           </a:xfrm>
           <a:prstGeom prst="rect">
             <a:avLst/>
@@ -5911,8 +5911,8 @@
         </p:nvSpPr>
         <p:spPr>
           <a:xfrm>
-            <a:off x="2468880" y="2834640"/>
-            <a:ext cx="1097280" cy="320040"/>
+            <a:off x="2468880" y="2788920"/>
+            <a:ext cx="1097280" cy="411480"/>
           </a:xfrm>
           <a:prstGeom prst="rect">
             <a:avLst/>
@@ -5947,8 +5947,8 @@
         </p:nvSpPr>
         <p:spPr>
           <a:xfrm>
-            <a:off x="3657600" y="2834640"/>
-            <a:ext cx="5120640" cy="320040"/>
+            <a:off x="3657600" y="2788920"/>
+            <a:ext cx="5120640" cy="411480"/>
           </a:xfrm>
           <a:prstGeom prst="rect">
             <a:avLst/>
@@ -6026,8 +6026,8 @@
         </p:nvSpPr>
         <p:spPr>
           <a:xfrm>
-            <a:off x="365760" y="3337560"/>
-            <a:ext cx="2011680" cy="320040"/>
+            <a:off x="365760" y="3291839"/>
+            <a:ext cx="2011680" cy="411480"/>
           </a:xfrm>
           <a:prstGeom prst="rect">
             <a:avLst/>
@@ -6062,8 +6062,8 @@
         </p:nvSpPr>
         <p:spPr>
           <a:xfrm>
-            <a:off x="2468880" y="3337560"/>
-            <a:ext cx="1097280" cy="320040"/>
+            <a:off x="2468880" y="3291839"/>
+            <a:ext cx="1097280" cy="411480"/>
           </a:xfrm>
           <a:prstGeom prst="rect">
             <a:avLst/>
@@ -6098,8 +6098,8 @@
         </p:nvSpPr>
         <p:spPr>
           <a:xfrm>
-            <a:off x="3657600" y="3337560"/>
-            <a:ext cx="5120640" cy="320040"/>
+            <a:off x="3657600" y="3291839"/>
+            <a:ext cx="5120640" cy="411480"/>
           </a:xfrm>
           <a:prstGeom prst="rect">
             <a:avLst/>
@@ -8075,7 +8075,7 @@
         <p:spPr>
           <a:xfrm>
             <a:off x="274320" y="2697480"/>
-            <a:ext cx="4206240" cy="1005840"/>
+            <a:ext cx="4206240" cy="1097280"/>
           </a:xfrm>
           <a:prstGeom prst="roundRect">
             <a:avLst/>
@@ -8117,8 +8117,8 @@
         </p:nvSpPr>
         <p:spPr>
           <a:xfrm>
-            <a:off x="457200" y="2788920"/>
-            <a:ext cx="3931920" cy="228600"/>
+            <a:off x="457200" y="2743200"/>
+            <a:ext cx="3931920" cy="274320"/>
           </a:xfrm>
           <a:prstGeom prst="rect">
             <a:avLst/>
@@ -8154,7 +8154,7 @@
         <p:spPr>
           <a:xfrm>
             <a:off x="457200" y="3017520"/>
-            <a:ext cx="3931920" cy="640080"/>
+            <a:ext cx="3931920" cy="731520"/>
           </a:xfrm>
           <a:prstGeom prst="rect">
             <a:avLst/>
@@ -8198,7 +8198,7 @@
         <p:spPr>
           <a:xfrm>
             <a:off x="4663440" y="2697480"/>
-            <a:ext cx="4206240" cy="1005840"/>
+            <a:ext cx="4206240" cy="1097280"/>
           </a:xfrm>
           <a:prstGeom prst="roundRect">
             <a:avLst/>
@@ -8240,8 +8240,8 @@
         </p:nvSpPr>
         <p:spPr>
           <a:xfrm>
-            <a:off x="4846320" y="2788920"/>
-            <a:ext cx="3840480" cy="228600"/>
+            <a:off x="4846320" y="2743200"/>
+            <a:ext cx="3840480" cy="274320"/>
           </a:xfrm>
           <a:prstGeom prst="rect">
             <a:avLst/>
@@ -8277,7 +8277,7 @@
         <p:spPr>
           <a:xfrm>
             <a:off x="4846320" y="3017520"/>
-            <a:ext cx="3840480" cy="640080"/>
+            <a:ext cx="3840480" cy="731520"/>
           </a:xfrm>
           <a:prstGeom prst="rect">
             <a:avLst/>
@@ -8363,8 +8363,8 @@
         </p:nvSpPr>
         <p:spPr>
           <a:xfrm>
-            <a:off x="320040" y="3931920"/>
-            <a:ext cx="8503920" cy="411480"/>
+            <a:off x="320040" y="3886200"/>
+            <a:ext cx="8503920" cy="502920"/>
           </a:xfrm>
           <a:prstGeom prst="rect">
             <a:avLst/>
@@ -9930,8 +9930,8 @@
         </p:nvSpPr>
         <p:spPr>
           <a:xfrm>
-            <a:off x="457200" y="1188720"/>
-            <a:ext cx="8229600" cy="1005840"/>
+            <a:off x="457200" y="1371600"/>
+            <a:ext cx="8229600" cy="1371600"/>
           </a:xfrm>
           <a:prstGeom prst="rect">
             <a:avLst/>
@@ -9970,7 +9970,7 @@
         </p:nvSpPr>
         <p:spPr>
           <a:xfrm>
-            <a:off x="3657600" y="2377440"/>
+            <a:off x="3657600" y="2926080"/>
             <a:ext cx="1828800" cy="73152"/>
           </a:xfrm>
           <a:prstGeom prst="roundRect">
@@ -10013,7 +10013,7 @@
         </p:nvSpPr>
         <p:spPr>
           <a:xfrm>
-            <a:off x="914400" y="2560320"/>
+            <a:off x="914400" y="3200400"/>
             <a:ext cx="7315200" cy="548640"/>
           </a:xfrm>
           <a:prstGeom prst="rect">
@@ -10049,7 +10049,7 @@
         </p:nvSpPr>
         <p:spPr>
           <a:xfrm>
-            <a:off x="1828800" y="3291840"/>
+            <a:off x="1828800" y="3931920"/>
             <a:ext cx="5486400" cy="731520"/>
           </a:xfrm>
           <a:prstGeom prst="roundRect">
@@ -10094,7 +10094,7 @@
         </p:nvSpPr>
         <p:spPr>
           <a:xfrm>
-            <a:off x="2011680" y="3383280"/>
+            <a:off x="2011680" y="4023360"/>
             <a:ext cx="5120640" cy="548640"/>
           </a:xfrm>
           <a:prstGeom prst="rect">
@@ -10163,7 +10163,7 @@
           <a:lstStyle/>
           <a:p>
             <a:pPr algn="ctr">
-              <a:defRPr sz="2000" b="1">
+              <a:defRPr sz="2400" b="1">
                 <a:solidFill>
                   <a:srgbClr val="805AD5"/>
                 </a:solidFill>
@@ -11718,8 +11718,8 @@
         </p:nvSpPr>
         <p:spPr>
           <a:xfrm>
-            <a:off x="1371600" y="3383280"/>
-            <a:ext cx="1371600" cy="457200"/>
+            <a:off x="1371600" y="3337560"/>
+            <a:ext cx="1371600" cy="320040"/>
           </a:xfrm>
           <a:prstGeom prst="rect">
             <a:avLst/>
@@ -11790,8 +11790,8 @@
         </p:nvSpPr>
         <p:spPr>
           <a:xfrm>
-            <a:off x="3886200" y="3383280"/>
-            <a:ext cx="1371600" cy="457200"/>
+            <a:off x="3886200" y="3337560"/>
+            <a:ext cx="1371600" cy="320040"/>
           </a:xfrm>
           <a:prstGeom prst="rect">
             <a:avLst/>
@@ -11862,8 +11862,8 @@
         </p:nvSpPr>
         <p:spPr>
           <a:xfrm>
-            <a:off x="6400800" y="3383280"/>
-            <a:ext cx="1371600" cy="457200"/>
+            <a:off x="6400800" y="3337560"/>
+            <a:ext cx="1371600" cy="320040"/>
           </a:xfrm>
           <a:prstGeom prst="rect">
             <a:avLst/>
@@ -11977,8 +11977,8 @@
         </p:nvSpPr>
         <p:spPr>
           <a:xfrm>
-            <a:off x="457200" y="4206240"/>
-            <a:ext cx="8229600" cy="640080"/>
+            <a:off x="457200" y="4160520"/>
+            <a:ext cx="8229600" cy="731520"/>
           </a:xfrm>
           <a:prstGeom prst="rect">
             <a:avLst/>
@@ -12153,8 +12153,8 @@
         </p:nvSpPr>
         <p:spPr>
           <a:xfrm>
-            <a:off x="365760" y="822960"/>
-            <a:ext cx="2194560" cy="411480"/>
+            <a:off x="365760" y="804672"/>
+            <a:ext cx="2194560" cy="457200"/>
           </a:xfrm>
           <a:prstGeom prst="rect">
             <a:avLst/>
@@ -12189,8 +12189,8 @@
         </p:nvSpPr>
         <p:spPr>
           <a:xfrm>
-            <a:off x="2651760" y="822960"/>
-            <a:ext cx="6126480" cy="411480"/>
+            <a:off x="2651760" y="804672"/>
+            <a:ext cx="6126480" cy="457200"/>
           </a:xfrm>
           <a:prstGeom prst="rect">
             <a:avLst/>
@@ -12268,8 +12268,8 @@
         </p:nvSpPr>
         <p:spPr>
           <a:xfrm>
-            <a:off x="365760" y="1417320"/>
-            <a:ext cx="2194560" cy="411480"/>
+            <a:off x="365760" y="1399032"/>
+            <a:ext cx="2194560" cy="457200"/>
           </a:xfrm>
           <a:prstGeom prst="rect">
             <a:avLst/>
@@ -12304,8 +12304,8 @@
         </p:nvSpPr>
         <p:spPr>
           <a:xfrm>
-            <a:off x="2651760" y="1417320"/>
-            <a:ext cx="6126480" cy="411480"/>
+            <a:off x="2651760" y="1399032"/>
+            <a:ext cx="6126480" cy="457200"/>
           </a:xfrm>
           <a:prstGeom prst="rect">
             <a:avLst/>
@@ -12383,8 +12383,8 @@
         </p:nvSpPr>
         <p:spPr>
           <a:xfrm>
-            <a:off x="365760" y="2011680"/>
-            <a:ext cx="2194560" cy="411480"/>
+            <a:off x="365760" y="1993392"/>
+            <a:ext cx="2194560" cy="457200"/>
           </a:xfrm>
           <a:prstGeom prst="rect">
             <a:avLst/>
@@ -12419,8 +12419,8 @@
         </p:nvSpPr>
         <p:spPr>
           <a:xfrm>
-            <a:off x="2651760" y="2011680"/>
-            <a:ext cx="6126480" cy="411480"/>
+            <a:off x="2651760" y="1993392"/>
+            <a:ext cx="6126480" cy="457200"/>
           </a:xfrm>
           <a:prstGeom prst="rect">
             <a:avLst/>
@@ -12498,8 +12498,8 @@
         </p:nvSpPr>
         <p:spPr>
           <a:xfrm>
-            <a:off x="365760" y="2606040"/>
-            <a:ext cx="2194560" cy="411480"/>
+            <a:off x="365760" y="2587752"/>
+            <a:ext cx="2194560" cy="457200"/>
           </a:xfrm>
           <a:prstGeom prst="rect">
             <a:avLst/>
@@ -12534,8 +12534,8 @@
         </p:nvSpPr>
         <p:spPr>
           <a:xfrm>
-            <a:off x="2651760" y="2606040"/>
-            <a:ext cx="6126480" cy="411480"/>
+            <a:off x="2651760" y="2587752"/>
+            <a:ext cx="6126480" cy="457200"/>
           </a:xfrm>
           <a:prstGeom prst="rect">
             <a:avLst/>
@@ -12613,8 +12613,8 @@
         </p:nvSpPr>
         <p:spPr>
           <a:xfrm>
-            <a:off x="365760" y="3200400"/>
-            <a:ext cx="2194560" cy="411480"/>
+            <a:off x="365760" y="3182112"/>
+            <a:ext cx="2194560" cy="457200"/>
           </a:xfrm>
           <a:prstGeom prst="rect">
             <a:avLst/>
@@ -12649,8 +12649,8 @@
         </p:nvSpPr>
         <p:spPr>
           <a:xfrm>
-            <a:off x="2651760" y="3200400"/>
-            <a:ext cx="6126480" cy="411480"/>
+            <a:off x="2651760" y="3182112"/>
+            <a:ext cx="6126480" cy="457200"/>
           </a:xfrm>
           <a:prstGeom prst="rect">
             <a:avLst/>

--- a/content/grade8/cycle03/week2/G8_C3_W2_Evidence_Evolution_Slides_Final.pptx
+++ b/content/grade8/cycle03/week2/G8_C3_W2_Evidence_Evolution_Slides_Final.pptx
@@ -3271,10 +3271,8 @@
           <a:solidFill>
             <a:srgbClr val="FFFFFF"/>
           </a:solidFill>
-          <a:ln w="25400">
-            <a:solidFill>
-              <a:srgbClr val="319795"/>
-            </a:solidFill>
+          <a:ln>
+            <a:noFill/>
           </a:ln>
         </p:spPr>
         <p:style>
@@ -9964,20 +9962,56 @@
       </p:sp>
       <p:sp>
         <p:nvSpPr>
-          <p:cNvPr id="5" name="Rounded Rectangle 4"/>
+          <p:cNvPr id="5" name="TextBox 4"/>
+          <p:cNvSpPr txBox="1"/>
+          <p:nvPr/>
+        </p:nvSpPr>
+        <p:spPr>
+          <a:xfrm>
+            <a:off x="914400" y="3200400"/>
+            <a:ext cx="7315200" cy="548640"/>
+          </a:xfrm>
+          <a:prstGeom prst="rect">
+            <a:avLst/>
+          </a:prstGeom>
+          <a:noFill/>
+        </p:spPr>
+        <p:txBody>
+          <a:bodyPr wrap="square">
+            <a:spAutoFit/>
+          </a:bodyPr>
+          <a:lstStyle/>
+          <a:p>
+            <a:pPr algn="ctr">
+              <a:defRPr sz="2000" b="0">
+                <a:solidFill>
+                  <a:srgbClr val="FFFFFF"/>
+                </a:solidFill>
+                <a:latin typeface="Georgia"/>
+              </a:defRPr>
+            </a:pPr>
+            <a:r>
+              <a:t>And how does this connect to natural selection from Week 1?</a:t>
+            </a:r>
+          </a:p>
+        </p:txBody>
+      </p:sp>
+      <p:sp>
+        <p:nvSpPr>
+          <p:cNvPr id="6" name="Rounded Rectangle 5"/>
           <p:cNvSpPr/>
           <p:nvPr/>
         </p:nvSpPr>
         <p:spPr>
           <a:xfrm>
-            <a:off x="3657600" y="2926080"/>
-            <a:ext cx="1828800" cy="73152"/>
+            <a:off x="1828800" y="3931920"/>
+            <a:ext cx="5486400" cy="731520"/>
           </a:xfrm>
           <a:prstGeom prst="roundRect">
             <a:avLst/>
           </a:prstGeom>
           <a:solidFill>
-            <a:srgbClr val="FFFFFF"/>
+            <a:srgbClr val="234E52"/>
           </a:solidFill>
           <a:ln>
             <a:noFill/>
@@ -10007,88 +10041,7 @@
       </p:sp>
       <p:sp>
         <p:nvSpPr>
-          <p:cNvPr id="6" name="TextBox 5"/>
-          <p:cNvSpPr txBox="1"/>
-          <p:nvPr/>
-        </p:nvSpPr>
-        <p:spPr>
-          <a:xfrm>
-            <a:off x="914400" y="3200400"/>
-            <a:ext cx="7315200" cy="548640"/>
-          </a:xfrm>
-          <a:prstGeom prst="rect">
-            <a:avLst/>
-          </a:prstGeom>
-          <a:noFill/>
-        </p:spPr>
-        <p:txBody>
-          <a:bodyPr wrap="square">
-            <a:spAutoFit/>
-          </a:bodyPr>
-          <a:lstStyle/>
-          <a:p>
-            <a:pPr algn="ctr">
-              <a:defRPr sz="2000" b="0">
-                <a:solidFill>
-                  <a:srgbClr val="FFFFFF"/>
-                </a:solidFill>
-                <a:latin typeface="Georgia"/>
-              </a:defRPr>
-            </a:pPr>
-            <a:r>
-              <a:t>And how does this connect to natural selection from Week 1?</a:t>
-            </a:r>
-          </a:p>
-        </p:txBody>
-      </p:sp>
-      <p:sp>
-        <p:nvSpPr>
-          <p:cNvPr id="7" name="Rounded Rectangle 6"/>
-          <p:cNvSpPr/>
-          <p:nvPr/>
-        </p:nvSpPr>
-        <p:spPr>
-          <a:xfrm>
-            <a:off x="1828800" y="3931920"/>
-            <a:ext cx="5486400" cy="731520"/>
-          </a:xfrm>
-          <a:prstGeom prst="roundRect">
-            <a:avLst/>
-          </a:prstGeom>
-          <a:solidFill>
-            <a:srgbClr val="234E52"/>
-          </a:solidFill>
-          <a:ln w="25400">
-            <a:solidFill>
-              <a:srgbClr val="FFFFFF"/>
-            </a:solidFill>
-          </a:ln>
-        </p:spPr>
-        <p:style>
-          <a:lnRef idx="1">
-            <a:schemeClr val="accent1"/>
-          </a:lnRef>
-          <a:fillRef idx="3">
-            <a:schemeClr val="accent1"/>
-          </a:fillRef>
-          <a:effectRef idx="2">
-            <a:schemeClr val="accent1"/>
-          </a:effectRef>
-          <a:fontRef idx="minor">
-            <a:schemeClr val="lt1"/>
-          </a:fontRef>
-        </p:style>
-        <p:txBody>
-          <a:bodyPr rtlCol="0" anchor="ctr"/>
-          <a:lstStyle/>
-          <a:p>
-            <a:pPr algn="ctr"/>
-          </a:p>
-        </p:txBody>
-      </p:sp>
-      <p:sp>
-        <p:nvSpPr>
-          <p:cNvPr id="8" name="TextBox 7"/>
+          <p:cNvPr id="7" name="TextBox 6"/>
           <p:cNvSpPr txBox="1"/>
           <p:nvPr/>
         </p:nvSpPr>
